--- a/Rossi_GL_TCO_Pres_2021.pptx
+++ b/Rossi_GL_TCO_Pres_2021.pptx
@@ -335,7 +335,7 @@
           <a:p>
             <a:fld id="{AD851C9A-FE3F-42D2-A5E8-484B2667E557}" type="datetimeFigureOut">
               <a:rPr lang="it-IT" smtClean="0"/>
-              <a:t>02/04/2021</a:t>
+              <a:t>04/04/2021</a:t>
             </a:fld>
             <a:endParaRPr lang="it-IT"/>
           </a:p>
@@ -533,7 +533,7 @@
           <a:p>
             <a:fld id="{AD851C9A-FE3F-42D2-A5E8-484B2667E557}" type="datetimeFigureOut">
               <a:rPr lang="it-IT" smtClean="0"/>
-              <a:t>02/04/2021</a:t>
+              <a:t>04/04/2021</a:t>
             </a:fld>
             <a:endParaRPr lang="it-IT"/>
           </a:p>
@@ -741,7 +741,7 @@
           <a:p>
             <a:fld id="{AD851C9A-FE3F-42D2-A5E8-484B2667E557}" type="datetimeFigureOut">
               <a:rPr lang="it-IT" smtClean="0"/>
-              <a:t>02/04/2021</a:t>
+              <a:t>04/04/2021</a:t>
             </a:fld>
             <a:endParaRPr lang="it-IT"/>
           </a:p>
@@ -939,7 +939,7 @@
           <a:p>
             <a:fld id="{AD851C9A-FE3F-42D2-A5E8-484B2667E557}" type="datetimeFigureOut">
               <a:rPr lang="it-IT" smtClean="0"/>
-              <a:t>02/04/2021</a:t>
+              <a:t>04/04/2021</a:t>
             </a:fld>
             <a:endParaRPr lang="it-IT"/>
           </a:p>
@@ -1214,7 +1214,7 @@
           <a:p>
             <a:fld id="{AD851C9A-FE3F-42D2-A5E8-484B2667E557}" type="datetimeFigureOut">
               <a:rPr lang="it-IT" smtClean="0"/>
-              <a:t>02/04/2021</a:t>
+              <a:t>04/04/2021</a:t>
             </a:fld>
             <a:endParaRPr lang="it-IT"/>
           </a:p>
@@ -1479,7 +1479,7 @@
           <a:p>
             <a:fld id="{AD851C9A-FE3F-42D2-A5E8-484B2667E557}" type="datetimeFigureOut">
               <a:rPr lang="it-IT" smtClean="0"/>
-              <a:t>02/04/2021</a:t>
+              <a:t>04/04/2021</a:t>
             </a:fld>
             <a:endParaRPr lang="it-IT"/>
           </a:p>
@@ -1891,7 +1891,7 @@
           <a:p>
             <a:fld id="{AD851C9A-FE3F-42D2-A5E8-484B2667E557}" type="datetimeFigureOut">
               <a:rPr lang="it-IT" smtClean="0"/>
-              <a:t>02/04/2021</a:t>
+              <a:t>04/04/2021</a:t>
             </a:fld>
             <a:endParaRPr lang="it-IT"/>
           </a:p>
@@ -2032,7 +2032,7 @@
           <a:p>
             <a:fld id="{AD851C9A-FE3F-42D2-A5E8-484B2667E557}" type="datetimeFigureOut">
               <a:rPr lang="it-IT" smtClean="0"/>
-              <a:t>02/04/2021</a:t>
+              <a:t>04/04/2021</a:t>
             </a:fld>
             <a:endParaRPr lang="it-IT"/>
           </a:p>
@@ -2145,7 +2145,7 @@
           <a:p>
             <a:fld id="{AD851C9A-FE3F-42D2-A5E8-484B2667E557}" type="datetimeFigureOut">
               <a:rPr lang="it-IT" smtClean="0"/>
-              <a:t>02/04/2021</a:t>
+              <a:t>04/04/2021</a:t>
             </a:fld>
             <a:endParaRPr lang="it-IT"/>
           </a:p>
@@ -2456,7 +2456,7 @@
           <a:p>
             <a:fld id="{AD851C9A-FE3F-42D2-A5E8-484B2667E557}" type="datetimeFigureOut">
               <a:rPr lang="it-IT" smtClean="0"/>
-              <a:t>02/04/2021</a:t>
+              <a:t>04/04/2021</a:t>
             </a:fld>
             <a:endParaRPr lang="it-IT"/>
           </a:p>
@@ -2744,7 +2744,7 @@
           <a:p>
             <a:fld id="{AD851C9A-FE3F-42D2-A5E8-484B2667E557}" type="datetimeFigureOut">
               <a:rPr lang="it-IT" smtClean="0"/>
-              <a:t>02/04/2021</a:t>
+              <a:t>04/04/2021</a:t>
             </a:fld>
             <a:endParaRPr lang="it-IT"/>
           </a:p>
@@ -2985,7 +2985,7 @@
           <a:p>
             <a:fld id="{AD851C9A-FE3F-42D2-A5E8-484B2667E557}" type="datetimeFigureOut">
               <a:rPr lang="it-IT" smtClean="0"/>
-              <a:t>02/04/2021</a:t>
+              <a:t>04/04/2021</a:t>
             </a:fld>
             <a:endParaRPr lang="it-IT"/>
           </a:p>
@@ -5505,7 +5505,7 @@
         </p:spPr>
         <p:txBody>
           <a:bodyPr>
-            <a:normAutofit/>
+            <a:normAutofit fontScale="92500" lnSpcReduction="20000"/>
           </a:bodyPr>
           <a:lstStyle/>
           <a:p>
@@ -5538,12 +5538,12 @@
               <a:t> the system must support up to 8000 TPS (</a:t>
             </a:r>
             <a:r>
-              <a:rPr lang="it-IT" sz="2000" b="1" dirty="0" err="1"/>
+              <a:rPr lang="it-IT" sz="2000" dirty="0" err="1"/>
               <a:t>peak</a:t>
             </a:r>
             <a:r>
               <a:rPr lang="it-IT" sz="2000" dirty="0"/>
-              <a:t>).</a:t>
+              <a:t>) with 90% of time under 4000 TPS.</a:t>
             </a:r>
           </a:p>
           <a:p>
@@ -5712,12 +5712,13 @@
               </a:ext>
             </a:extLst>
           </a:blip>
+          <a:srcRect/>
           <a:stretch/>
         </p:blipFill>
         <p:spPr>
           <a:xfrm>
-            <a:off x="1657292" y="2533292"/>
-            <a:ext cx="8662979" cy="1169117"/>
+            <a:off x="1687761" y="2533292"/>
+            <a:ext cx="8602040" cy="1169117"/>
           </a:xfrm>
           <a:prstGeom prst="rect">
             <a:avLst/>
@@ -8872,7 +8873,7 @@
         <p:spPr>
           <a:xfrm>
             <a:off x="4220907" y="6412278"/>
-            <a:ext cx="2935147" cy="313301"/>
+            <a:ext cx="3473564" cy="313301"/>
           </a:xfrm>
           <a:prstGeom prst="roundRect">
             <a:avLst/>
@@ -8901,7 +8902,7 @@
             <a:pPr algn="ctr"/>
             <a:r>
               <a:rPr lang="it-IT" dirty="0"/>
-              <a:t>8000 TPS Peak </a:t>
+              <a:t>4000 TPS 90% Peak </a:t>
             </a:r>
             <a:r>
               <a:rPr lang="it-IT" dirty="0" err="1"/>
@@ -8926,7 +8927,7 @@
           <p:nvPr>
             <p:extLst>
               <p:ext uri="{D42A27DB-BD31-4B8C-83A1-F6EECF244321}">
-                <p14:modId xmlns:p14="http://schemas.microsoft.com/office/powerpoint/2010/main" val="564865838"/>
+                <p14:modId xmlns:p14="http://schemas.microsoft.com/office/powerpoint/2010/main" val="1552126161"/>
               </p:ext>
             </p:extLst>
           </p:nvPr>
@@ -9093,56 +9094,84 @@
                     <a:bodyPr/>
                     <a:lstStyle/>
                     <a:p>
-                      <a:pPr algn="ctr"/>
+                      <a:pPr marL="0" algn="ctr" defTabSz="914400" rtl="0" eaLnBrk="1" fontAlgn="b" latinLnBrk="0" hangingPunct="1"/>
                       <a:r>
-                        <a:rPr lang="it-IT" dirty="0"/>
-                        <a:t>18</a:t>
+                        <a:rPr lang="it-IT" sz="1800" kern="1200" dirty="0">
+                          <a:solidFill>
+                            <a:schemeClr val="dk1"/>
+                          </a:solidFill>
+                          <a:latin typeface="+mn-lt"/>
+                          <a:ea typeface="+mn-ea"/>
+                          <a:cs typeface="+mn-cs"/>
+                        </a:rPr>
+                        <a:t>11</a:t>
                       </a:r>
                     </a:p>
                   </a:txBody>
-                  <a:tcPr anchor="ctr"/>
+                  <a:tcPr marL="7620" marR="7620" marT="7620" marB="0" anchor="ctr"/>
                 </a:tc>
                 <a:tc>
                   <a:txBody>
                     <a:bodyPr/>
                     <a:lstStyle/>
                     <a:p>
-                      <a:pPr algn="ctr"/>
+                      <a:pPr marL="0" algn="ctr" defTabSz="914400" rtl="0" eaLnBrk="1" fontAlgn="b" latinLnBrk="0" hangingPunct="1"/>
                       <a:r>
-                        <a:rPr lang="it-IT" dirty="0"/>
-                        <a:t>9</a:t>
+                        <a:rPr lang="it-IT" sz="1800" kern="1200" dirty="0">
+                          <a:solidFill>
+                            <a:schemeClr val="dk1"/>
+                          </a:solidFill>
+                          <a:latin typeface="+mn-lt"/>
+                          <a:ea typeface="+mn-ea"/>
+                          <a:cs typeface="+mn-cs"/>
+                        </a:rPr>
+                        <a:t>5</a:t>
                       </a:r>
                     </a:p>
                   </a:txBody>
-                  <a:tcPr anchor="ctr"/>
+                  <a:tcPr marL="7620" marR="7620" marT="7620" marB="0" anchor="ctr"/>
                 </a:tc>
                 <a:tc>
                   <a:txBody>
                     <a:bodyPr/>
                     <a:lstStyle/>
                     <a:p>
-                      <a:pPr algn="ctr"/>
+                      <a:pPr marL="0" algn="ctr" defTabSz="914400" rtl="0" eaLnBrk="1" fontAlgn="b" latinLnBrk="0" hangingPunct="1"/>
                       <a:r>
-                        <a:rPr lang="it-IT" dirty="0"/>
-                        <a:t>9</a:t>
+                        <a:rPr lang="it-IT" sz="1800" kern="1200">
+                          <a:solidFill>
+                            <a:schemeClr val="dk1"/>
+                          </a:solidFill>
+                          <a:latin typeface="+mn-lt"/>
+                          <a:ea typeface="+mn-ea"/>
+                          <a:cs typeface="+mn-cs"/>
+                        </a:rPr>
+                        <a:t>5</a:t>
                       </a:r>
                     </a:p>
                   </a:txBody>
-                  <a:tcPr anchor="ctr"/>
+                  <a:tcPr marL="7620" marR="7620" marT="7620" marB="0" anchor="ctr"/>
                 </a:tc>
                 <a:tc>
                   <a:txBody>
                     <a:bodyPr/>
                     <a:lstStyle/>
                     <a:p>
-                      <a:pPr algn="ctr"/>
+                      <a:pPr marL="0" algn="ctr" defTabSz="914400" rtl="0" eaLnBrk="1" fontAlgn="b" latinLnBrk="0" hangingPunct="1"/>
                       <a:r>
-                        <a:rPr lang="it-IT" dirty="0"/>
-                        <a:t>17</a:t>
+                        <a:rPr lang="it-IT" sz="1800" kern="1200" dirty="0">
+                          <a:solidFill>
+                            <a:schemeClr val="dk1"/>
+                          </a:solidFill>
+                          <a:latin typeface="+mn-lt"/>
+                          <a:ea typeface="+mn-ea"/>
+                          <a:cs typeface="+mn-cs"/>
+                        </a:rPr>
+                        <a:t>9</a:t>
                       </a:r>
                     </a:p>
                   </a:txBody>
-                  <a:tcPr anchor="ctr"/>
+                  <a:tcPr marL="7620" marR="7620" marT="7620" marB="0" anchor="ctr"/>
                 </a:tc>
                 <a:extLst>
                   <a:ext uri="{0D108BD9-81ED-4DB2-BD59-A6C34878D82A}">
@@ -9181,57 +9210,84 @@
                     <a:bodyPr/>
                     <a:lstStyle/>
                     <a:p>
-                      <a:pPr algn="ctr"/>
+                      <a:pPr marL="0" algn="ctr" defTabSz="914400" rtl="0" eaLnBrk="1" fontAlgn="b" latinLnBrk="0" hangingPunct="1"/>
                       <a:r>
-                        <a:rPr lang="it-IT" sz="1400" dirty="0"/>
-                        <a:t>400+24HA</a:t>
+                        <a:rPr lang="it-IT" sz="1800" kern="1200">
+                          <a:solidFill>
+                            <a:schemeClr val="dk1"/>
+                          </a:solidFill>
+                          <a:latin typeface="+mn-lt"/>
+                          <a:ea typeface="+mn-ea"/>
+                          <a:cs typeface="+mn-cs"/>
+                        </a:rPr>
+                        <a:t>248</a:t>
                       </a:r>
-                      <a:endParaRPr lang="it-IT" sz="2400" dirty="0"/>
                     </a:p>
                   </a:txBody>
-                  <a:tcPr anchor="ctr"/>
+                  <a:tcPr marL="7620" marR="7620" marT="7620" marB="0" anchor="ctr"/>
                 </a:tc>
                 <a:tc>
                   <a:txBody>
                     <a:bodyPr/>
                     <a:lstStyle/>
                     <a:p>
-                      <a:pPr algn="ctr"/>
+                      <a:pPr marL="0" algn="ctr" defTabSz="914400" rtl="0" eaLnBrk="1" fontAlgn="b" latinLnBrk="0" hangingPunct="1"/>
                       <a:r>
-                        <a:rPr lang="it-IT" dirty="0"/>
-                        <a:t>200</a:t>
+                        <a:rPr lang="it-IT" sz="1800" kern="1200" dirty="0">
+                          <a:solidFill>
+                            <a:schemeClr val="dk1"/>
+                          </a:solidFill>
+                          <a:latin typeface="+mn-lt"/>
+                          <a:ea typeface="+mn-ea"/>
+                          <a:cs typeface="+mn-cs"/>
+                        </a:rPr>
+                        <a:t>100</a:t>
                       </a:r>
                     </a:p>
                   </a:txBody>
-                  <a:tcPr anchor="ctr"/>
+                  <a:tcPr marL="7620" marR="7620" marT="7620" marB="0" anchor="ctr"/>
                 </a:tc>
                 <a:tc>
                   <a:txBody>
                     <a:bodyPr/>
                     <a:lstStyle/>
                     <a:p>
-                      <a:pPr algn="ctr"/>
+                      <a:pPr marL="0" algn="ctr" defTabSz="914400" rtl="0" eaLnBrk="1" fontAlgn="b" latinLnBrk="0" hangingPunct="1"/>
                       <a:r>
-                        <a:rPr lang="it-IT" dirty="0"/>
-                        <a:t>200</a:t>
+                        <a:rPr lang="it-IT" sz="1800" kern="1200" dirty="0">
+                          <a:solidFill>
+                            <a:schemeClr val="dk1"/>
+                          </a:solidFill>
+                          <a:latin typeface="+mn-lt"/>
+                          <a:ea typeface="+mn-ea"/>
+                          <a:cs typeface="+mn-cs"/>
+                        </a:rPr>
+                        <a:t>100</a:t>
                       </a:r>
                     </a:p>
                   </a:txBody>
-                  <a:tcPr anchor="ctr"/>
+                  <a:tcPr marL="7620" marR="7620" marT="7620" marB="0" anchor="ctr"/>
                 </a:tc>
                 <a:tc>
                   <a:txBody>
                     <a:bodyPr/>
                     <a:lstStyle/>
                     <a:p>
-                      <a:pPr algn="ctr"/>
+                      <a:pPr marL="0" algn="ctr" defTabSz="914400" rtl="0" eaLnBrk="1" fontAlgn="b" latinLnBrk="0" hangingPunct="1"/>
                       <a:r>
-                        <a:rPr lang="it-IT" dirty="0"/>
-                        <a:t>400</a:t>
+                        <a:rPr lang="it-IT" sz="1800" kern="1200" dirty="0">
+                          <a:solidFill>
+                            <a:schemeClr val="dk1"/>
+                          </a:solidFill>
+                          <a:latin typeface="+mn-lt"/>
+                          <a:ea typeface="+mn-ea"/>
+                          <a:cs typeface="+mn-cs"/>
+                        </a:rPr>
+                        <a:t>200</a:t>
                       </a:r>
                     </a:p>
                   </a:txBody>
-                  <a:tcPr anchor="ctr"/>
+                  <a:tcPr marL="7620" marR="7620" marT="7620" marB="0" anchor="ctr"/>
                 </a:tc>
                 <a:extLst>
                   <a:ext uri="{0D108BD9-81ED-4DB2-BD59-A6C34878D82A}">
@@ -9258,7 +9314,7 @@
           <p:nvPr>
             <p:extLst>
               <p:ext uri="{D42A27DB-BD31-4B8C-83A1-F6EECF244321}">
-                <p14:modId xmlns:p14="http://schemas.microsoft.com/office/powerpoint/2010/main" val="1891093416"/>
+                <p14:modId xmlns:p14="http://schemas.microsoft.com/office/powerpoint/2010/main" val="3987944014"/>
               </p:ext>
             </p:extLst>
           </p:nvPr>
@@ -9360,14 +9416,21 @@
                     <a:bodyPr/>
                     <a:lstStyle/>
                     <a:p>
-                      <a:pPr algn="ctr"/>
+                      <a:pPr algn="ctr" fontAlgn="b"/>
                       <a:r>
-                        <a:rPr lang="it-IT" dirty="0"/>
-                        <a:t>35</a:t>
+                        <a:rPr lang="it-IT" sz="1800" kern="1200" dirty="0">
+                          <a:solidFill>
+                            <a:schemeClr val="dk1"/>
+                          </a:solidFill>
+                          <a:latin typeface="+mn-lt"/>
+                          <a:ea typeface="+mn-ea"/>
+                          <a:cs typeface="+mn-cs"/>
+                        </a:rPr>
+                        <a:t>20</a:t>
                       </a:r>
                     </a:p>
                   </a:txBody>
-                  <a:tcPr anchor="ctr"/>
+                  <a:tcPr marL="7620" marR="7620" marT="7620" marB="0" anchor="ctr"/>
                 </a:tc>
                 <a:extLst>
                   <a:ext uri="{0D108BD9-81ED-4DB2-BD59-A6C34878D82A}">
@@ -9406,15 +9469,21 @@
                     <a:bodyPr/>
                     <a:lstStyle/>
                     <a:p>
-                      <a:pPr algn="ctr"/>
+                      <a:pPr algn="ctr" fontAlgn="b"/>
                       <a:r>
-                        <a:rPr lang="it-IT" sz="1400" dirty="0"/>
-                        <a:t>824</a:t>
+                        <a:rPr lang="it-IT" sz="1800" kern="1200" dirty="0">
+                          <a:solidFill>
+                            <a:schemeClr val="dk1"/>
+                          </a:solidFill>
+                          <a:latin typeface="+mn-lt"/>
+                          <a:ea typeface="+mn-ea"/>
+                          <a:cs typeface="+mn-cs"/>
+                        </a:rPr>
+                        <a:t>448</a:t>
                       </a:r>
-                      <a:endParaRPr lang="it-IT" sz="2400" dirty="0"/>
                     </a:p>
                   </a:txBody>
-                  <a:tcPr anchor="ctr"/>
+                  <a:tcPr marL="7620" marR="7620" marT="7620" marB="0" anchor="ctr"/>
                 </a:tc>
                 <a:extLst>
                   <a:ext uri="{0D108BD9-81ED-4DB2-BD59-A6C34878D82A}">
@@ -9585,7 +9654,7 @@
           <p:nvPr>
             <p:extLst>
               <p:ext uri="{D42A27DB-BD31-4B8C-83A1-F6EECF244321}">
-                <p14:modId xmlns:p14="http://schemas.microsoft.com/office/powerpoint/2010/main" val="1789735551"/>
+                <p14:modId xmlns:p14="http://schemas.microsoft.com/office/powerpoint/2010/main" val="2643418225"/>
               </p:ext>
             </p:extLst>
           </p:nvPr>
@@ -9727,7 +9796,7 @@
                     <a:bodyPr/>
                     <a:lstStyle/>
                     <a:p>
-                      <a:pPr algn="ctr"/>
+                      <a:pPr algn="ctr" fontAlgn="b"/>
                       <a:r>
                         <a:rPr lang="it-IT" sz="1800" kern="1200" dirty="0">
                           <a:solidFill>
@@ -9737,39 +9806,53 @@
                           <a:ea typeface="+mn-ea"/>
                           <a:cs typeface="+mn-cs"/>
                         </a:rPr>
-                        <a:t>40</a:t>
+                        <a:t>20</a:t>
                       </a:r>
                     </a:p>
                   </a:txBody>
-                  <a:tcPr anchor="ctr"/>
+                  <a:tcPr marL="7620" marR="7620" marT="7620" marB="0" anchor="ctr"/>
                 </a:tc>
                 <a:tc>
                   <a:txBody>
                     <a:bodyPr/>
                     <a:lstStyle/>
                     <a:p>
-                      <a:pPr algn="ctr"/>
+                      <a:pPr algn="ctr" fontAlgn="b"/>
                       <a:r>
-                        <a:rPr lang="it-IT" dirty="0"/>
-                        <a:t>20</a:t>
+                        <a:rPr lang="it-IT" sz="1800" kern="1200" dirty="0">
+                          <a:solidFill>
+                            <a:schemeClr val="dk1"/>
+                          </a:solidFill>
+                          <a:latin typeface="+mn-lt"/>
+                          <a:ea typeface="+mn-ea"/>
+                          <a:cs typeface="+mn-cs"/>
+                        </a:rPr>
+                        <a:t>10</a:t>
                       </a:r>
                     </a:p>
                   </a:txBody>
-                  <a:tcPr anchor="ctr"/>
+                  <a:tcPr marL="7620" marR="7620" marT="7620" marB="0" anchor="ctr"/>
                 </a:tc>
                 <a:tc>
                   <a:txBody>
                     <a:bodyPr/>
                     <a:lstStyle/>
                     <a:p>
-                      <a:pPr algn="ctr"/>
+                      <a:pPr algn="ctr" fontAlgn="b"/>
                       <a:r>
-                        <a:rPr lang="it-IT" dirty="0"/>
-                        <a:t>40</a:t>
+                        <a:rPr lang="it-IT" sz="1800" kern="1200" dirty="0">
+                          <a:solidFill>
+                            <a:schemeClr val="dk1"/>
+                          </a:solidFill>
+                          <a:latin typeface="+mn-lt"/>
+                          <a:ea typeface="+mn-ea"/>
+                          <a:cs typeface="+mn-cs"/>
+                        </a:rPr>
+                        <a:t>20</a:t>
                       </a:r>
                     </a:p>
                   </a:txBody>
-                  <a:tcPr anchor="ctr"/>
+                  <a:tcPr marL="7620" marR="7620" marT="7620" marB="0" anchor="ctr"/>
                 </a:tc>
                 <a:extLst>
                   <a:ext uri="{0D108BD9-81ED-4DB2-BD59-A6C34878D82A}">
@@ -9796,7 +9879,7 @@
           <p:nvPr>
             <p:extLst>
               <p:ext uri="{D42A27DB-BD31-4B8C-83A1-F6EECF244321}">
-                <p14:modId xmlns:p14="http://schemas.microsoft.com/office/powerpoint/2010/main" val="1215459612"/>
+                <p14:modId xmlns:p14="http://schemas.microsoft.com/office/powerpoint/2010/main" val="673836517"/>
               </p:ext>
             </p:extLst>
           </p:nvPr>
@@ -9941,28 +10024,7 @@
                     <a:bodyPr/>
                     <a:lstStyle/>
                     <a:p>
-                      <a:pPr marL="0" algn="ctr" defTabSz="914400" rtl="0" eaLnBrk="1" latinLnBrk="0" hangingPunct="1"/>
-                      <a:r>
-                        <a:rPr lang="it-IT" sz="1800" kern="1200" dirty="0">
-                          <a:solidFill>
-                            <a:schemeClr val="dk1"/>
-                          </a:solidFill>
-                          <a:latin typeface="+mn-lt"/>
-                          <a:ea typeface="+mn-ea"/>
-                          <a:cs typeface="+mn-cs"/>
-                        </a:rPr>
-                        <a:t>40</a:t>
-                      </a:r>
-                    </a:p>
-                  </a:txBody>
-                  <a:tcPr anchor="ctr"/>
-                </a:tc>
-                <a:tc>
-                  <a:txBody>
-                    <a:bodyPr/>
-                    <a:lstStyle/>
-                    <a:p>
-                      <a:pPr marL="0" algn="ctr" defTabSz="914400" rtl="0" eaLnBrk="1" latinLnBrk="0" hangingPunct="1"/>
+                      <a:pPr marL="0" algn="ctr" defTabSz="914400" rtl="0" eaLnBrk="1" fontAlgn="b" latinLnBrk="0" hangingPunct="1"/>
                       <a:r>
                         <a:rPr lang="it-IT" sz="1800" kern="1200" dirty="0">
                           <a:solidFill>
@@ -9976,14 +10038,14 @@
                       </a:r>
                     </a:p>
                   </a:txBody>
-                  <a:tcPr anchor="ctr"/>
+                  <a:tcPr marL="7620" marR="7620" marT="7620" marB="0" anchor="ctr"/>
                 </a:tc>
                 <a:tc>
                   <a:txBody>
                     <a:bodyPr/>
                     <a:lstStyle/>
                     <a:p>
-                      <a:pPr marL="0" algn="ctr" defTabSz="914400" rtl="0" eaLnBrk="1" latinLnBrk="0" hangingPunct="1"/>
+                      <a:pPr marL="0" algn="ctr" defTabSz="914400" rtl="0" eaLnBrk="1" fontAlgn="b" latinLnBrk="0" hangingPunct="1"/>
                       <a:r>
                         <a:rPr lang="it-IT" sz="1800" kern="1200" dirty="0">
                           <a:solidFill>
@@ -9993,11 +10055,32 @@
                           <a:ea typeface="+mn-ea"/>
                           <a:cs typeface="+mn-cs"/>
                         </a:rPr>
-                        <a:t>40</a:t>
+                        <a:t>10</a:t>
                       </a:r>
                     </a:p>
                   </a:txBody>
-                  <a:tcPr anchor="ctr"/>
+                  <a:tcPr marL="7620" marR="7620" marT="7620" marB="0" anchor="ctr"/>
+                </a:tc>
+                <a:tc>
+                  <a:txBody>
+                    <a:bodyPr/>
+                    <a:lstStyle/>
+                    <a:p>
+                      <a:pPr marL="0" algn="ctr" defTabSz="914400" rtl="0" eaLnBrk="1" fontAlgn="b" latinLnBrk="0" hangingPunct="1"/>
+                      <a:r>
+                        <a:rPr lang="it-IT" sz="1800" kern="1200" dirty="0">
+                          <a:solidFill>
+                            <a:schemeClr val="dk1"/>
+                          </a:solidFill>
+                          <a:latin typeface="+mn-lt"/>
+                          <a:ea typeface="+mn-ea"/>
+                          <a:cs typeface="+mn-cs"/>
+                        </a:rPr>
+                        <a:t>20</a:t>
+                      </a:r>
+                    </a:p>
+                  </a:txBody>
+                  <a:tcPr marL="7620" marR="7620" marT="7620" marB="0" anchor="ctr"/>
                 </a:tc>
                 <a:extLst>
                   <a:ext uri="{0D108BD9-81ED-4DB2-BD59-A6C34878D82A}">
@@ -10057,7 +10140,7 @@
             </a:r>
             <a:r>
               <a:rPr lang="it-IT" dirty="0"/>
-              <a:t> servers: 88 | </a:t>
+              <a:t> servers: 50 | </a:t>
             </a:r>
             <a:r>
               <a:rPr lang="it-IT" dirty="0" err="1"/>
@@ -10065,7 +10148,7 @@
             </a:r>
             <a:r>
               <a:rPr lang="it-IT" dirty="0"/>
-              <a:t> cores: 2048 | </a:t>
+              <a:t> cores: 1096| </a:t>
             </a:r>
             <a:r>
               <a:rPr lang="it-IT" dirty="0" err="1"/>
@@ -10073,7 +10156,7 @@
             </a:r>
             <a:r>
               <a:rPr lang="it-IT" dirty="0"/>
-              <a:t> cores: 64</a:t>
+              <a:t> cores: 104</a:t>
             </a:r>
           </a:p>
         </p:txBody>
@@ -10134,7 +10217,7 @@
             </a:r>
             <a:r>
               <a:rPr lang="it-IT" dirty="0"/>
-              <a:t> cores: 120 | </a:t>
+              <a:t> cores: 60 | </a:t>
             </a:r>
             <a:r>
               <a:rPr lang="it-IT" dirty="0" err="1"/>
@@ -10142,7 +10225,7 @@
             </a:r>
             <a:r>
               <a:rPr lang="it-IT" dirty="0"/>
-              <a:t> cores: 80</a:t>
+              <a:t> cores: 40</a:t>
             </a:r>
           </a:p>
         </p:txBody>
@@ -10880,7 +10963,7 @@
             </a:r>
             <a:r>
               <a:rPr lang="en-US" sz="2000" dirty="0"/>
-              <a:t> servers are 22% compared to x86 equivalent platform.</a:t>
+              <a:t> servers are 26% compared to x86 equivalent platform.</a:t>
             </a:r>
           </a:p>
           <a:p>
@@ -10933,70 +11016,6 @@
       </p:pic>
       <p:pic>
         <p:nvPicPr>
-          <p:cNvPr id="6" name="Segnaposto contenuto 5">
-            <a:extLst>
-              <a:ext uri="{FF2B5EF4-FFF2-40B4-BE49-F238E27FC236}">
-                <a16:creationId xmlns:a16="http://schemas.microsoft.com/office/drawing/2014/main" id="{4CD1FA61-A241-4A10-B415-716FA5B8A163}"/>
-              </a:ext>
-            </a:extLst>
-          </p:cNvPr>
-          <p:cNvPicPr>
-            <a:picLocks noGrp="1" noChangeAspect="1"/>
-          </p:cNvPicPr>
-          <p:nvPr>
-            <p:ph sz="half" idx="1"/>
-          </p:nvPr>
-        </p:nvPicPr>
-        <p:blipFill>
-          <a:blip r:embed="rId3"/>
-          <a:stretch>
-            <a:fillRect/>
-          </a:stretch>
-        </p:blipFill>
-        <p:spPr>
-          <a:xfrm>
-            <a:off x="3652086" y="2813015"/>
-            <a:ext cx="3982539" cy="1742360"/>
-          </a:xfrm>
-          <a:prstGeom prst="rect">
-            <a:avLst/>
-          </a:prstGeom>
-        </p:spPr>
-      </p:pic>
-      <p:pic>
-        <p:nvPicPr>
-          <p:cNvPr id="8" name="Segnaposto contenuto 7">
-            <a:extLst>
-              <a:ext uri="{FF2B5EF4-FFF2-40B4-BE49-F238E27FC236}">
-                <a16:creationId xmlns:a16="http://schemas.microsoft.com/office/drawing/2014/main" id="{7AD810ED-58C5-4DB3-BBE9-92B16B986895}"/>
-              </a:ext>
-            </a:extLst>
-          </p:cNvPr>
-          <p:cNvPicPr>
-            <a:picLocks noGrp="1" noChangeAspect="1"/>
-          </p:cNvPicPr>
-          <p:nvPr>
-            <p:ph sz="half" idx="2"/>
-          </p:nvPr>
-        </p:nvPicPr>
-        <p:blipFill>
-          <a:blip r:embed="rId4"/>
-          <a:stretch>
-            <a:fillRect/>
-          </a:stretch>
-        </p:blipFill>
-        <p:spPr>
-          <a:xfrm>
-            <a:off x="7770952" y="2826244"/>
-            <a:ext cx="3952301" cy="1729131"/>
-          </a:xfrm>
-          <a:prstGeom prst="rect">
-            <a:avLst/>
-          </a:prstGeom>
-        </p:spPr>
-      </p:pic>
-      <p:pic>
-        <p:nvPicPr>
           <p:cNvPr id="11" name="Immagine 10">
             <a:extLst>
               <a:ext uri="{FF2B5EF4-FFF2-40B4-BE49-F238E27FC236}">
@@ -11010,7 +11029,7 @@
           <p:nvPr/>
         </p:nvPicPr>
         <p:blipFill>
-          <a:blip r:embed="rId5"/>
+          <a:blip r:embed="rId3"/>
           <a:stretch>
             <a:fillRect/>
           </a:stretch>
@@ -11124,6 +11143,36 @@
           </a:p>
         </p:txBody>
       </p:sp>
+      <p:pic>
+        <p:nvPicPr>
+          <p:cNvPr id="14" name="Immagine 13">
+            <a:extLst>
+              <a:ext uri="{FF2B5EF4-FFF2-40B4-BE49-F238E27FC236}">
+                <a16:creationId xmlns:a16="http://schemas.microsoft.com/office/drawing/2014/main" id="{AB3D1077-921D-48D6-9AC6-7F7963FD99EF}"/>
+              </a:ext>
+            </a:extLst>
+          </p:cNvPr>
+          <p:cNvPicPr>
+            <a:picLocks noChangeAspect="1"/>
+          </p:cNvPicPr>
+          <p:nvPr/>
+        </p:nvPicPr>
+        <p:blipFill>
+          <a:blip r:embed="rId4"/>
+          <a:stretch>
+            <a:fillRect/>
+          </a:stretch>
+        </p:blipFill>
+        <p:spPr>
+          <a:xfrm>
+            <a:off x="3652086" y="2920312"/>
+            <a:ext cx="7571117" cy="1575888"/>
+          </a:xfrm>
+          <a:prstGeom prst="rect">
+            <a:avLst/>
+          </a:prstGeom>
+        </p:spPr>
+      </p:pic>
     </p:spTree>
     <p:extLst>
       <p:ext uri="{BB962C8B-B14F-4D97-AF65-F5344CB8AC3E}">
@@ -11814,10 +11863,10 @@
       </p:sp>
       <p:pic>
         <p:nvPicPr>
-          <p:cNvPr id="7" name="Segnaposto contenuto 6">
+          <p:cNvPr id="2" name="Immagine 1">
             <a:extLst>
               <a:ext uri="{FF2B5EF4-FFF2-40B4-BE49-F238E27FC236}">
-                <a16:creationId xmlns:a16="http://schemas.microsoft.com/office/drawing/2014/main" id="{EA3E4997-58C7-4534-8C04-360C47708406}"/>
+                <a16:creationId xmlns:a16="http://schemas.microsoft.com/office/drawing/2014/main" id="{71214CE4-B7F2-4C2E-9211-45CD4A19BE32}"/>
               </a:ext>
             </a:extLst>
           </p:cNvPr>
@@ -11834,8 +11883,8 @@
         </p:blipFill>
         <p:spPr>
           <a:xfrm>
-            <a:off x="6098892" y="2830786"/>
-            <a:ext cx="4802404" cy="2886551"/>
+            <a:off x="5784031" y="3117851"/>
+            <a:ext cx="5084505" cy="2755631"/>
           </a:xfrm>
           <a:prstGeom prst="rect">
             <a:avLst/>
